--- a/Presentation-ChatBot_Project.pptx
+++ b/Presentation-ChatBot_Project.pptx
@@ -23,9 +23,11 @@
     <p:sldId id="264" r:id="rId17"/>
     <p:sldId id="265" r:id="rId18"/>
     <p:sldId id="287" r:id="rId19"/>
-    <p:sldId id="273" r:id="rId20"/>
-    <p:sldId id="274" r:id="rId21"/>
-    <p:sldId id="275" r:id="rId22"/>
+    <p:sldId id="291" r:id="rId20"/>
+    <p:sldId id="273" r:id="rId21"/>
+    <p:sldId id="274" r:id="rId22"/>
+    <p:sldId id="292" r:id="rId23"/>
+    <p:sldId id="275" r:id="rId24"/>
   </p:sldIdLst>
   <p:sldSz cx="9144000" cy="6858000" type="screen4x3"/>
   <p:notesSz cx="6858000" cy="9144000"/>
@@ -326,7 +328,7 @@
           <a:p>
             <a:fld id="{97D98600-21CA-48FD-8A71-1D11AB8917CB}" type="datetimeFigureOut">
               <a:rPr lang="en-US" smtClean="0"/>
-              <a:t>1/4/2018</a:t>
+              <a:t>1/8/2018</a:t>
             </a:fld>
             <a:endParaRPr lang="en-US"/>
           </a:p>
@@ -494,7 +496,7 @@
           <a:p>
             <a:fld id="{97D98600-21CA-48FD-8A71-1D11AB8917CB}" type="datetimeFigureOut">
               <a:rPr lang="en-US" smtClean="0"/>
-              <a:t>1/4/2018</a:t>
+              <a:t>1/8/2018</a:t>
             </a:fld>
             <a:endParaRPr lang="en-US"/>
           </a:p>
@@ -672,7 +674,7 @@
           <a:p>
             <a:fld id="{97D98600-21CA-48FD-8A71-1D11AB8917CB}" type="datetimeFigureOut">
               <a:rPr lang="en-US" smtClean="0"/>
-              <a:t>1/4/2018</a:t>
+              <a:t>1/8/2018</a:t>
             </a:fld>
             <a:endParaRPr lang="en-US"/>
           </a:p>
@@ -840,7 +842,7 @@
           <a:p>
             <a:fld id="{97D98600-21CA-48FD-8A71-1D11AB8917CB}" type="datetimeFigureOut">
               <a:rPr lang="en-US" smtClean="0"/>
-              <a:t>1/4/2018</a:t>
+              <a:t>1/8/2018</a:t>
             </a:fld>
             <a:endParaRPr lang="en-US"/>
           </a:p>
@@ -1085,7 +1087,7 @@
           <a:p>
             <a:fld id="{97D98600-21CA-48FD-8A71-1D11AB8917CB}" type="datetimeFigureOut">
               <a:rPr lang="en-US" smtClean="0"/>
-              <a:t>1/4/2018</a:t>
+              <a:t>1/8/2018</a:t>
             </a:fld>
             <a:endParaRPr lang="en-US"/>
           </a:p>
@@ -1370,7 +1372,7 @@
           <a:p>
             <a:fld id="{97D98600-21CA-48FD-8A71-1D11AB8917CB}" type="datetimeFigureOut">
               <a:rPr lang="en-US" smtClean="0"/>
-              <a:t>1/4/2018</a:t>
+              <a:t>1/8/2018</a:t>
             </a:fld>
             <a:endParaRPr lang="en-US"/>
           </a:p>
@@ -1789,7 +1791,7 @@
           <a:p>
             <a:fld id="{97D98600-21CA-48FD-8A71-1D11AB8917CB}" type="datetimeFigureOut">
               <a:rPr lang="en-US" smtClean="0"/>
-              <a:t>1/4/2018</a:t>
+              <a:t>1/8/2018</a:t>
             </a:fld>
             <a:endParaRPr lang="en-US"/>
           </a:p>
@@ -1906,7 +1908,7 @@
           <a:p>
             <a:fld id="{97D98600-21CA-48FD-8A71-1D11AB8917CB}" type="datetimeFigureOut">
               <a:rPr lang="en-US" smtClean="0"/>
-              <a:t>1/4/2018</a:t>
+              <a:t>1/8/2018</a:t>
             </a:fld>
             <a:endParaRPr lang="en-US"/>
           </a:p>
@@ -2001,7 +2003,7 @@
           <a:p>
             <a:fld id="{97D98600-21CA-48FD-8A71-1D11AB8917CB}" type="datetimeFigureOut">
               <a:rPr lang="en-US" smtClean="0"/>
-              <a:t>1/4/2018</a:t>
+              <a:t>1/8/2018</a:t>
             </a:fld>
             <a:endParaRPr lang="en-US"/>
           </a:p>
@@ -2276,7 +2278,7 @@
           <a:p>
             <a:fld id="{97D98600-21CA-48FD-8A71-1D11AB8917CB}" type="datetimeFigureOut">
               <a:rPr lang="en-US" smtClean="0"/>
-              <a:t>1/4/2018</a:t>
+              <a:t>1/8/2018</a:t>
             </a:fld>
             <a:endParaRPr lang="en-US"/>
           </a:p>
@@ -2528,7 +2530,7 @@
           <a:p>
             <a:fld id="{97D98600-21CA-48FD-8A71-1D11AB8917CB}" type="datetimeFigureOut">
               <a:rPr lang="en-US" smtClean="0"/>
-              <a:t>1/4/2018</a:t>
+              <a:t>1/8/2018</a:t>
             </a:fld>
             <a:endParaRPr lang="en-US"/>
           </a:p>
@@ -2739,7 +2741,7 @@
           <a:p>
             <a:fld id="{97D98600-21CA-48FD-8A71-1D11AB8917CB}" type="datetimeFigureOut">
               <a:rPr lang="en-US" smtClean="0"/>
-              <a:t>1/4/2018</a:t>
+              <a:t>1/8/2018</a:t>
             </a:fld>
             <a:endParaRPr lang="en-US"/>
           </a:p>
@@ -5163,7 +5165,15 @@
             </a:pPr>
             <a:r>
               <a:rPr lang="en-US" dirty="0"/>
-              <a:t>Lambda function strips out stop words, stems words, and checks to see if the message approximately matches any of our previous messages.</a:t>
+              <a:t>Lambda function strips out stop words, stems words, and checks to see if the message approximately matches any of our previous messages (</a:t>
+            </a:r>
+            <a:r>
+              <a:rPr lang="en-US" dirty="0" err="1"/>
+              <a:t>KnowledgeBase</a:t>
+            </a:r>
+            <a:r>
+              <a:rPr lang="en-US" dirty="0"/>
+              <a:t>)</a:t>
             </a:r>
           </a:p>
           <a:p>
@@ -5173,7 +5183,7 @@
             </a:pPr>
             <a:r>
               <a:rPr lang="en-US" dirty="0"/>
-              <a:t>If a message receives a high enough match score, a previous response is returned to the customer</a:t>
+              <a:t>If a message receives a high enough match score, a previous response is automatically returned to the customer</a:t>
             </a:r>
           </a:p>
           <a:p>
@@ -7844,7 +7854,7 @@
             </a:pPr>
             <a:r>
               <a:rPr lang="en-US" dirty="0"/>
-              <a:t>Sentiment Analysis is performed on the message </a:t>
+              <a:t>Sentiment Analysis (with Vader) is performed on the message </a:t>
             </a:r>
           </a:p>
           <a:p>
@@ -9741,7 +9751,7 @@
             <a:spLocks noGrp="1"/>
           </p:cNvSpPr>
           <p:nvPr>
-            <p:ph idx="1"/>
+            <p:ph sz="half" idx="1"/>
           </p:nvPr>
         </p:nvSpPr>
         <p:spPr/>
@@ -9751,47 +9761,64 @@
           <a:p>
             <a:r>
               <a:rPr lang="en-US" dirty="0"/>
-              <a:t>Must properly submit messenger application approvals to Facebook</a:t>
+              <a:t>Difficult to navigate AWS Documentation for various services they provide</a:t>
             </a:r>
           </a:p>
           <a:p>
             <a:r>
               <a:rPr lang="en-US" dirty="0"/>
-              <a:t>Web Browsers: Chrome vs Firefox vs Edge</a:t>
-            </a:r>
-          </a:p>
-          <a:p>
-            <a:r>
-              <a:rPr lang="en-US" dirty="0"/>
-              <a:t>Snapshots of </a:t>
-            </a:r>
-            <a:r>
-              <a:rPr lang="en-US" dirty="0" err="1"/>
-              <a:t>ElasticSearch</a:t>
-            </a:r>
-            <a:r>
-              <a:rPr lang="en-US" dirty="0"/>
-              <a:t> clusters are a good idea</a:t>
-            </a:r>
-          </a:p>
-          <a:p>
-            <a:r>
-              <a:rPr lang="en-US" dirty="0"/>
-              <a:t>Kibana dashboard not locked down</a:t>
-            </a:r>
-          </a:p>
-          <a:p>
-            <a:r>
-              <a:rPr lang="en-US" dirty="0"/>
-              <a:t>A more structured approach to collecting test data (see next slide for examples)</a:t>
-            </a:r>
-          </a:p>
-        </p:txBody>
-      </p:sp>
+              <a:t>AWS Documentation may be outdated/incorrect</a:t>
+            </a:r>
+          </a:p>
+        </p:txBody>
+      </p:sp>
+      <p:pic>
+        <p:nvPicPr>
+          <p:cNvPr id="8" name="Content Placeholder 7">
+            <a:extLst>
+              <a:ext uri="{FF2B5EF4-FFF2-40B4-BE49-F238E27FC236}">
+                <a16:creationId xmlns:a16="http://schemas.microsoft.com/office/drawing/2014/main" id="{6C3115F8-0CBE-4083-8421-E704B5CA0C7F}"/>
+              </a:ext>
+            </a:extLst>
+          </p:cNvPr>
+          <p:cNvPicPr>
+            <a:picLocks noGrp="1" noChangeAspect="1"/>
+          </p:cNvPicPr>
+          <p:nvPr>
+            <p:ph sz="half" idx="2"/>
+          </p:nvPr>
+        </p:nvPicPr>
+        <p:blipFill>
+          <a:blip r:embed="rId2" cstate="print">
+            <a:extLst>
+              <a:ext uri="{28A0092B-C50C-407E-A947-70E740481C1C}">
+                <a14:useLocalDpi xmlns:a14="http://schemas.microsoft.com/office/drawing/2010/main" val="0"/>
+              </a:ext>
+            </a:extLst>
+          </a:blip>
+          <a:stretch>
+            <a:fillRect/>
+          </a:stretch>
+        </p:blipFill>
+        <p:spPr>
+          <a:xfrm>
+            <a:off x="4759087" y="1600200"/>
+            <a:ext cx="3816825" cy="4983162"/>
+          </a:xfrm>
+          <a:ln>
+            <a:solidFill>
+              <a:schemeClr val="tx1">
+                <a:lumMod val="95000"/>
+                <a:lumOff val="5000"/>
+              </a:schemeClr>
+            </a:solidFill>
+          </a:ln>
+        </p:spPr>
+      </p:pic>
     </p:spTree>
     <p:extLst>
       <p:ext uri="{BB962C8B-B14F-4D97-AF65-F5344CB8AC3E}">
-        <p14:creationId xmlns:p14="http://schemas.microsoft.com/office/powerpoint/2010/main" val="3051866374"/>
+        <p14:creationId xmlns:p14="http://schemas.microsoft.com/office/powerpoint/2010/main" val="1605032744"/>
       </p:ext>
     </p:extLst>
   </p:cSld>
@@ -9953,7 +9980,7 @@
           <p:cNvPr id="2" name="Title 1">
             <a:extLst>
               <a:ext uri="{FF2B5EF4-FFF2-40B4-BE49-F238E27FC236}">
-                <a16:creationId xmlns:a16="http://schemas.microsoft.com/office/drawing/2014/main" id="{C0DF9C17-37EB-4C23-86BC-4738C3046905}"/>
+                <a16:creationId xmlns:a16="http://schemas.microsoft.com/office/drawing/2014/main" id="{7B49DD15-86A5-4192-8AC6-D073C8E19DAB}"/>
               </a:ext>
             </a:extLst>
           </p:cNvPr>
@@ -9971,7 +9998,7 @@
           <a:p>
             <a:r>
               <a:rPr lang="en-US" u="sng" dirty="0"/>
-              <a:t>People are Unpredictable</a:t>
+              <a:t>Lessons Learned</a:t>
             </a:r>
           </a:p>
         </p:txBody>
@@ -9981,7 +10008,7 @@
           <p:cNvPr id="3" name="Content Placeholder 2">
             <a:extLst>
               <a:ext uri="{FF2B5EF4-FFF2-40B4-BE49-F238E27FC236}">
-                <a16:creationId xmlns:a16="http://schemas.microsoft.com/office/drawing/2014/main" id="{7D321003-CA38-4005-9F26-2EC89E6ADC8B}"/>
+                <a16:creationId xmlns:a16="http://schemas.microsoft.com/office/drawing/2014/main" id="{3DB5D776-4A65-45BB-AB06-D29977B1EBA7}"/>
               </a:ext>
             </a:extLst>
           </p:cNvPr>
@@ -9992,72 +10019,57 @@
             <p:ph idx="1"/>
           </p:nvPr>
         </p:nvSpPr>
-        <p:spPr>
-          <a:xfrm>
-            <a:off x="457200" y="1295400"/>
-            <a:ext cx="8229600" cy="4830763"/>
-          </a:xfrm>
-        </p:spPr>
-        <p:txBody>
-          <a:bodyPr>
-            <a:normAutofit fontScale="77500" lnSpcReduction="20000"/>
-          </a:bodyPr>
+        <p:spPr/>
+        <p:txBody>
+          <a:bodyPr/>
           <a:lstStyle/>
           <a:p>
             <a:r>
               <a:rPr lang="en-US" dirty="0"/>
-              <a:t>You are the supreme ruler of the black hole of </a:t>
+              <a:t>Must properly submit messenger application approvals to Facebook</a:t>
+            </a:r>
+          </a:p>
+          <a:p>
+            <a:r>
+              <a:rPr lang="en-US" dirty="0"/>
+              <a:t>Web Browsers: Chrome vs Firefox vs Edge</a:t>
+            </a:r>
+          </a:p>
+          <a:p>
+            <a:r>
+              <a:rPr lang="en-US" dirty="0"/>
+              <a:t>Snapshots of </a:t>
             </a:r>
             <a:r>
               <a:rPr lang="en-US" dirty="0" err="1"/>
-              <a:t>suckyness</a:t>
+              <a:t>ElasticSearch</a:t>
             </a:r>
             <a:r>
               <a:rPr lang="en-US" dirty="0"/>
-              <a:t> that is your Company.</a:t>
+              <a:t> clusters are a good idea</a:t>
+            </a:r>
+          </a:p>
+          <a:p>
+            <a:r>
+              <a:rPr lang="en-US" dirty="0"/>
+              <a:t>Security in real life</a:t>
+            </a:r>
+          </a:p>
+          <a:p>
+            <a:r>
+              <a:rPr lang="en-US" dirty="0"/>
+              <a:t>A more structured approach to collecting test data (see next slide for examples)</a:t>
             </a:r>
           </a:p>
           <a:p>
             <a:endParaRPr lang="en-US" dirty="0"/>
-          </a:p>
-          <a:p>
-            <a:r>
-              <a:rPr lang="pt-BR" dirty="0"/>
-              <a:t>w0w, 1'v3 n3v3r 533n 4ny7h1n6 45 4m4z1n6 45 y0ur pr0duc75.  7h3 1nf3c710n w3n7 4w4y 1mm3d1473ly, wh1ch w45 1mp0r74n7 b3c4u53 1 h4d 4 h07 d473!</a:t>
-            </a:r>
-          </a:p>
-          <a:p>
-            <a:endParaRPr lang="pt-BR" dirty="0"/>
-          </a:p>
-          <a:p>
-            <a:r>
-              <a:rPr lang="en-US" dirty="0"/>
-              <a:t>I purchased a shrink ray about a month ago and it isn't shrinking my student loans. When I point it at the studentloans.gov website, it just shrinks the computer. Can you please provide assistance?</a:t>
-            </a:r>
-          </a:p>
-          <a:p>
-            <a:endParaRPr lang="en-US" dirty="0"/>
-          </a:p>
-          <a:p>
-            <a:r>
-              <a:rPr lang="en-US" dirty="0"/>
-              <a:t>He's </a:t>
-            </a:r>
-            <a:r>
-              <a:rPr lang="en-US" dirty="0" err="1"/>
-              <a:t>cuuuute</a:t>
-            </a:r>
-            <a:r>
-              <a:rPr lang="en-US" dirty="0"/>
-              <a:t>!</a:t>
-            </a:r>
           </a:p>
         </p:txBody>
       </p:sp>
     </p:spTree>
     <p:extLst>
       <p:ext uri="{BB962C8B-B14F-4D97-AF65-F5344CB8AC3E}">
-        <p14:creationId xmlns:p14="http://schemas.microsoft.com/office/powerpoint/2010/main" val="3707585842"/>
+        <p14:creationId xmlns:p14="http://schemas.microsoft.com/office/powerpoint/2010/main" val="3051866374"/>
       </p:ext>
     </p:extLst>
   </p:cSld>
@@ -10086,6 +10098,304 @@
       </p:grpSpPr>
       <p:sp>
         <p:nvSpPr>
+          <p:cNvPr id="2" name="Title 1">
+            <a:extLst>
+              <a:ext uri="{FF2B5EF4-FFF2-40B4-BE49-F238E27FC236}">
+                <a16:creationId xmlns:a16="http://schemas.microsoft.com/office/drawing/2014/main" id="{C0DF9C17-37EB-4C23-86BC-4738C3046905}"/>
+              </a:ext>
+            </a:extLst>
+          </p:cNvPr>
+          <p:cNvSpPr>
+            <a:spLocks noGrp="1"/>
+          </p:cNvSpPr>
+          <p:nvPr>
+            <p:ph type="title"/>
+          </p:nvPr>
+        </p:nvSpPr>
+        <p:spPr/>
+        <p:txBody>
+          <a:bodyPr/>
+          <a:lstStyle/>
+          <a:p>
+            <a:r>
+              <a:rPr lang="en-US" u="sng" dirty="0"/>
+              <a:t>People are Unpredictable</a:t>
+            </a:r>
+          </a:p>
+        </p:txBody>
+      </p:sp>
+      <p:sp>
+        <p:nvSpPr>
+          <p:cNvPr id="3" name="Content Placeholder 2">
+            <a:extLst>
+              <a:ext uri="{FF2B5EF4-FFF2-40B4-BE49-F238E27FC236}">
+                <a16:creationId xmlns:a16="http://schemas.microsoft.com/office/drawing/2014/main" id="{7D321003-CA38-4005-9F26-2EC89E6ADC8B}"/>
+              </a:ext>
+            </a:extLst>
+          </p:cNvPr>
+          <p:cNvSpPr>
+            <a:spLocks noGrp="1"/>
+          </p:cNvSpPr>
+          <p:nvPr>
+            <p:ph idx="1"/>
+          </p:nvPr>
+        </p:nvSpPr>
+        <p:spPr>
+          <a:xfrm>
+            <a:off x="457200" y="1295400"/>
+            <a:ext cx="8229600" cy="4830763"/>
+          </a:xfrm>
+        </p:spPr>
+        <p:txBody>
+          <a:bodyPr>
+            <a:normAutofit fontScale="77500" lnSpcReduction="20000"/>
+          </a:bodyPr>
+          <a:lstStyle/>
+          <a:p>
+            <a:r>
+              <a:rPr lang="en-US" dirty="0"/>
+              <a:t>You are the supreme ruler of the black hole of </a:t>
+            </a:r>
+            <a:r>
+              <a:rPr lang="en-US" dirty="0" err="1"/>
+              <a:t>suckyness</a:t>
+            </a:r>
+            <a:r>
+              <a:rPr lang="en-US" dirty="0"/>
+              <a:t> that is your Company.</a:t>
+            </a:r>
+          </a:p>
+          <a:p>
+            <a:endParaRPr lang="en-US" dirty="0"/>
+          </a:p>
+          <a:p>
+            <a:r>
+              <a:rPr lang="pt-BR" dirty="0"/>
+              <a:t>w0w, 1'v3 n3v3r 533n 4ny7h1n6 45 4m4z1n6 45 y0ur pr0duc75.  7h3 1nf3c710n w3n7 4w4y 1mm3d1473ly, wh1ch w45 1mp0r74n7 b3c4u53 1 h4d 4 h07 d473!</a:t>
+            </a:r>
+          </a:p>
+          <a:p>
+            <a:endParaRPr lang="pt-BR" dirty="0"/>
+          </a:p>
+          <a:p>
+            <a:r>
+              <a:rPr lang="en-US" dirty="0"/>
+              <a:t>I purchased a shrink ray about a month ago and it isn't shrinking my student loans. When I point it at the studentloans.gov website, it just shrinks the computer. Can you please provide assistance?</a:t>
+            </a:r>
+          </a:p>
+          <a:p>
+            <a:endParaRPr lang="en-US" dirty="0"/>
+          </a:p>
+          <a:p>
+            <a:r>
+              <a:rPr lang="en-US" dirty="0"/>
+              <a:t>He's </a:t>
+            </a:r>
+            <a:r>
+              <a:rPr lang="en-US" dirty="0" err="1"/>
+              <a:t>cuuuute</a:t>
+            </a:r>
+            <a:r>
+              <a:rPr lang="en-US" dirty="0"/>
+              <a:t>!</a:t>
+            </a:r>
+          </a:p>
+        </p:txBody>
+      </p:sp>
+    </p:spTree>
+    <p:extLst>
+      <p:ext uri="{BB962C8B-B14F-4D97-AF65-F5344CB8AC3E}">
+        <p14:creationId xmlns:p14="http://schemas.microsoft.com/office/powerpoint/2010/main" val="3707585842"/>
+      </p:ext>
+    </p:extLst>
+  </p:cSld>
+  <p:clrMapOvr>
+    <a:masterClrMapping/>
+  </p:clrMapOvr>
+</p:sld>
+</file>
+
+<file path=ppt/slides/slide22.xml><?xml version="1.0" encoding="utf-8"?>
+<p:sld xmlns:a="http://schemas.openxmlformats.org/drawingml/2006/main" xmlns:r="http://schemas.openxmlformats.org/officeDocument/2006/relationships" xmlns:p="http://schemas.openxmlformats.org/presentationml/2006/main">
+  <p:cSld>
+    <p:spTree>
+      <p:nvGrpSpPr>
+        <p:cNvPr id="1" name=""/>
+        <p:cNvGrpSpPr/>
+        <p:nvPr/>
+      </p:nvGrpSpPr>
+      <p:grpSpPr>
+        <a:xfrm>
+          <a:off x="0" y="0"/>
+          <a:ext cx="0" cy="0"/>
+          <a:chOff x="0" y="0"/>
+          <a:chExt cx="0" cy="0"/>
+        </a:xfrm>
+      </p:grpSpPr>
+      <p:sp>
+        <p:nvSpPr>
+          <p:cNvPr id="2" name="Title 1">
+            <a:extLst>
+              <a:ext uri="{FF2B5EF4-FFF2-40B4-BE49-F238E27FC236}">
+                <a16:creationId xmlns:a16="http://schemas.microsoft.com/office/drawing/2014/main" id="{C0DF9C17-37EB-4C23-86BC-4738C3046905}"/>
+              </a:ext>
+            </a:extLst>
+          </p:cNvPr>
+          <p:cNvSpPr>
+            <a:spLocks noGrp="1"/>
+          </p:cNvSpPr>
+          <p:nvPr>
+            <p:ph type="title"/>
+          </p:nvPr>
+        </p:nvSpPr>
+        <p:spPr/>
+        <p:txBody>
+          <a:bodyPr/>
+          <a:lstStyle/>
+          <a:p>
+            <a:r>
+              <a:rPr lang="en-US" u="sng" dirty="0"/>
+              <a:t>Next Steps</a:t>
+            </a:r>
+          </a:p>
+        </p:txBody>
+      </p:sp>
+      <p:sp>
+        <p:nvSpPr>
+          <p:cNvPr id="3" name="Content Placeholder 2">
+            <a:extLst>
+              <a:ext uri="{FF2B5EF4-FFF2-40B4-BE49-F238E27FC236}">
+                <a16:creationId xmlns:a16="http://schemas.microsoft.com/office/drawing/2014/main" id="{7D321003-CA38-4005-9F26-2EC89E6ADC8B}"/>
+              </a:ext>
+            </a:extLst>
+          </p:cNvPr>
+          <p:cNvSpPr>
+            <a:spLocks noGrp="1"/>
+          </p:cNvSpPr>
+          <p:nvPr>
+            <p:ph idx="1"/>
+          </p:nvPr>
+        </p:nvSpPr>
+        <p:spPr>
+          <a:xfrm>
+            <a:off x="457200" y="1295400"/>
+            <a:ext cx="8229600" cy="4830763"/>
+          </a:xfrm>
+        </p:spPr>
+        <p:txBody>
+          <a:bodyPr>
+            <a:normAutofit/>
+          </a:bodyPr>
+          <a:lstStyle/>
+          <a:p>
+            <a:r>
+              <a:rPr lang="en-US" sz="2800" dirty="0"/>
+              <a:t>Visit AWS </a:t>
+            </a:r>
+            <a:r>
+              <a:rPr lang="en-US" sz="2800" dirty="0" err="1"/>
+              <a:t>github</a:t>
+            </a:r>
+            <a:r>
+              <a:rPr lang="en-US" sz="2800" dirty="0"/>
+              <a:t> page </a:t>
+            </a:r>
+            <a:r>
+              <a:rPr lang="en-US" sz="2800" dirty="0">
+                <a:hlinkClick r:id="rId2"/>
+              </a:rPr>
+              <a:t>https://github.com/awslabs</a:t>
+            </a:r>
+            <a:endParaRPr lang="en-US" sz="2800" dirty="0"/>
+          </a:p>
+          <a:p>
+            <a:pPr marL="0" indent="0">
+              <a:buNone/>
+            </a:pPr>
+            <a:endParaRPr lang="en-US" sz="2800" dirty="0"/>
+          </a:p>
+          <a:p>
+            <a:r>
+              <a:rPr lang="en-US" sz="2800" dirty="0"/>
+              <a:t>Try working your way through their more recent workshop </a:t>
+            </a:r>
+            <a:r>
+              <a:rPr lang="en-US" sz="2800" dirty="0">
+                <a:hlinkClick r:id="rId3"/>
+              </a:rPr>
+              <a:t>https://github.com/awslabs/aws-serverless-workshops</a:t>
+            </a:r>
+            <a:endParaRPr lang="en-US" sz="2800" dirty="0"/>
+          </a:p>
+          <a:p>
+            <a:pPr marL="0" indent="0">
+              <a:buNone/>
+            </a:pPr>
+            <a:endParaRPr lang="en-US" sz="2800" dirty="0"/>
+          </a:p>
+          <a:p>
+            <a:r>
+              <a:rPr lang="en-US" sz="2800" dirty="0"/>
+              <a:t>Looking for something harder??? </a:t>
+            </a:r>
+            <a:r>
+              <a:rPr lang="en-US" sz="2800" dirty="0">
+                <a:hlinkClick r:id="rId4"/>
+              </a:rPr>
+              <a:t>https://github.com/awslabs/aws-lambda-zombie-workshop</a:t>
+            </a:r>
+            <a:r>
+              <a:rPr lang="en-US" sz="2800" dirty="0"/>
+              <a:t> </a:t>
+            </a:r>
+          </a:p>
+          <a:p>
+            <a:pPr lvl="1"/>
+            <a:r>
+              <a:rPr lang="en-US" sz="2400" dirty="0"/>
+              <a:t>requires you to spend some $$$ for IoT equipment</a:t>
+            </a:r>
+          </a:p>
+          <a:p>
+            <a:endParaRPr lang="en-US" dirty="0"/>
+          </a:p>
+          <a:p>
+            <a:endParaRPr lang="en-US" dirty="0"/>
+          </a:p>
+        </p:txBody>
+      </p:sp>
+    </p:spTree>
+    <p:extLst>
+      <p:ext uri="{BB962C8B-B14F-4D97-AF65-F5344CB8AC3E}">
+        <p14:creationId xmlns:p14="http://schemas.microsoft.com/office/powerpoint/2010/main" val="1977610728"/>
+      </p:ext>
+    </p:extLst>
+  </p:cSld>
+  <p:clrMapOvr>
+    <a:masterClrMapping/>
+  </p:clrMapOvr>
+</p:sld>
+</file>
+
+<file path=ppt/slides/slide23.xml><?xml version="1.0" encoding="utf-8"?>
+<p:sld xmlns:a="http://schemas.openxmlformats.org/drawingml/2006/main" xmlns:r="http://schemas.openxmlformats.org/officeDocument/2006/relationships" xmlns:p="http://schemas.openxmlformats.org/presentationml/2006/main">
+  <p:cSld>
+    <p:spTree>
+      <p:nvGrpSpPr>
+        <p:cNvPr id="1" name=""/>
+        <p:cNvGrpSpPr/>
+        <p:nvPr/>
+      </p:nvGrpSpPr>
+      <p:grpSpPr>
+        <a:xfrm>
+          <a:off x="0" y="0"/>
+          <a:ext cx="0" cy="0"/>
+          <a:chOff x="0" y="0"/>
+          <a:chExt cx="0" cy="0"/>
+        </a:xfrm>
+      </p:grpSpPr>
+      <p:sp>
+        <p:nvSpPr>
           <p:cNvPr id="3" name="Content Placeholder 2">
             <a:extLst>
               <a:ext uri="{FF2B5EF4-FFF2-40B4-BE49-F238E27FC236}">
@@ -10103,9 +10413,24 @@
         <p:spPr/>
         <p:txBody>
           <a:bodyPr>
-            <a:normAutofit fontScale="92500" lnSpcReduction="20000"/>
+            <a:normAutofit fontScale="62500" lnSpcReduction="20000"/>
           </a:bodyPr>
           <a:lstStyle/>
+          <a:p>
+            <a:pPr marL="0" indent="0" algn="ctr">
+              <a:buNone/>
+            </a:pPr>
+            <a:endParaRPr lang="en-US" sz="6600" dirty="0"/>
+          </a:p>
+          <a:p>
+            <a:pPr marL="0" indent="0" algn="ctr">
+              <a:buNone/>
+            </a:pPr>
+            <a:r>
+              <a:rPr lang="en-US" sz="6600" dirty="0"/>
+              <a:t>Thank You!</a:t>
+            </a:r>
+          </a:p>
           <a:p>
             <a:pPr marL="0" indent="0" algn="ctr">
               <a:buNone/>
@@ -10243,7 +10568,7 @@
             </a:r>
             <a:r>
               <a:rPr lang="en-US" dirty="0"/>
-              <a:t> look at some key data science concepts/tools</a:t>
+              <a:t> look at some key data science concepts/tools involved with this project!</a:t>
             </a:r>
           </a:p>
         </p:txBody>
@@ -11348,8 +11673,8 @@
         </p:blipFill>
         <p:spPr>
           <a:xfrm>
-            <a:off x="6701463" y="1231900"/>
-            <a:ext cx="2166939" cy="928688"/>
+            <a:off x="6966008" y="947445"/>
+            <a:ext cx="2108536" cy="940385"/>
           </a:xfrm>
           <a:prstGeom prst="rect">
             <a:avLst/>
